--- a/ppt 16-9/0556.快认罪悔改.pptx
+++ b/ppt 16-9/0556.快认罪悔改.pptx
@@ -5,7 +5,7 @@
     <p:sldMasterId id="2147483648" r:id="rId1"/>
   </p:sldMasterIdLst>
   <p:sldIdLst>
-    <p:sldId id="2311" r:id="rId2"/>
+    <p:sldId id="2312" r:id="rId2"/>
   </p:sldIdLst>
   <p:sldSz cx="12192000" cy="6858000"/>
   <p:notesSz cx="6858000" cy="9144000"/>
@@ -129,7 +129,7 @@
           <p:cNvPr id="2" name="标题 1">
             <a:extLst>
               <a:ext uri="{FF2B5EF4-FFF2-40B4-BE49-F238E27FC236}">
-                <a16:creationId xmlns:a16="http://schemas.microsoft.com/office/drawing/2014/main" id="{AF6618B2-18DB-D542-3473-CB8C877E8E98}"/>
+                <a16:creationId xmlns:a16="http://schemas.microsoft.com/office/drawing/2014/main" id="{DEC62E6C-B4C2-E283-AB22-D767AC229CE5}"/>
               </a:ext>
             </a:extLst>
           </p:cNvPr>
@@ -166,7 +166,7 @@
           <p:cNvPr id="3" name="副标题 2">
             <a:extLst>
               <a:ext uri="{FF2B5EF4-FFF2-40B4-BE49-F238E27FC236}">
-                <a16:creationId xmlns:a16="http://schemas.microsoft.com/office/drawing/2014/main" id="{CB2D5E4D-C91D-A771-F671-0BB4E725F529}"/>
+                <a16:creationId xmlns:a16="http://schemas.microsoft.com/office/drawing/2014/main" id="{4EE78389-6C5D-199E-AFC7-317527CD99AC}"/>
               </a:ext>
             </a:extLst>
           </p:cNvPr>
@@ -236,7 +236,7 @@
           <p:cNvPr id="4" name="日期占位符 3">
             <a:extLst>
               <a:ext uri="{FF2B5EF4-FFF2-40B4-BE49-F238E27FC236}">
-                <a16:creationId xmlns:a16="http://schemas.microsoft.com/office/drawing/2014/main" id="{11CCB516-5AF8-BFC7-33F8-71A5E73E7F03}"/>
+                <a16:creationId xmlns:a16="http://schemas.microsoft.com/office/drawing/2014/main" id="{6D119CA1-E2AD-BCF4-78FA-61744FBAB48B}"/>
               </a:ext>
             </a:extLst>
           </p:cNvPr>
@@ -252,7 +252,7 @@
           <a:bodyPr/>
           <a:lstStyle/>
           <a:p>
-            <a:fld id="{D27B8463-E119-4B6E-B3B5-524D63FE85E5}" type="datetimeFigureOut">
+            <a:fld id="{F3030665-1282-4457-BE5D-5BD85799EEFA}" type="datetimeFigureOut">
               <a:rPr lang="zh-CN" altLang="en-US" smtClean="0"/>
               <a:t>2024/3/10</a:t>
             </a:fld>
@@ -265,7 +265,7 @@
           <p:cNvPr id="5" name="页脚占位符 4">
             <a:extLst>
               <a:ext uri="{FF2B5EF4-FFF2-40B4-BE49-F238E27FC236}">
-                <a16:creationId xmlns:a16="http://schemas.microsoft.com/office/drawing/2014/main" id="{F4AC612D-E495-FD80-904C-E7299C3A1FE6}"/>
+                <a16:creationId xmlns:a16="http://schemas.microsoft.com/office/drawing/2014/main" id="{88BA4D2F-21EF-5535-A8E2-D950B75F9330}"/>
               </a:ext>
             </a:extLst>
           </p:cNvPr>
@@ -290,7 +290,7 @@
           <p:cNvPr id="6" name="灯片编号占位符 5">
             <a:extLst>
               <a:ext uri="{FF2B5EF4-FFF2-40B4-BE49-F238E27FC236}">
-                <a16:creationId xmlns:a16="http://schemas.microsoft.com/office/drawing/2014/main" id="{005C2C80-EBD7-D88C-AF0F-DD85BE975BAA}"/>
+                <a16:creationId xmlns:a16="http://schemas.microsoft.com/office/drawing/2014/main" id="{B5256ABD-6B72-4000-200C-FF7A4D8D06D0}"/>
               </a:ext>
             </a:extLst>
           </p:cNvPr>
@@ -306,7 +306,7 @@
           <a:bodyPr/>
           <a:lstStyle/>
           <a:p>
-            <a:fld id="{9C9CDFCB-5F1E-4F9F-BF0C-47EA5BFD231C}" type="slidenum">
+            <a:fld id="{8E295A64-4F88-4AFB-B815-64809329472F}" type="slidenum">
               <a:rPr lang="zh-CN" altLang="en-US" smtClean="0"/>
               <a:t>‹#›</a:t>
             </a:fld>
@@ -317,7 +317,7 @@
     </p:spTree>
     <p:extLst>
       <p:ext uri="{BB962C8B-B14F-4D97-AF65-F5344CB8AC3E}">
-        <p14:creationId xmlns:p14="http://schemas.microsoft.com/office/powerpoint/2010/main" val="3957916806"/>
+        <p14:creationId xmlns:p14="http://schemas.microsoft.com/office/powerpoint/2010/main" val="2877895257"/>
       </p:ext>
     </p:extLst>
   </p:cSld>
@@ -349,7 +349,7 @@
           <p:cNvPr id="2" name="标题 1">
             <a:extLst>
               <a:ext uri="{FF2B5EF4-FFF2-40B4-BE49-F238E27FC236}">
-                <a16:creationId xmlns:a16="http://schemas.microsoft.com/office/drawing/2014/main" id="{94CBC25C-0620-4C2A-F227-73C41EFE210B}"/>
+                <a16:creationId xmlns:a16="http://schemas.microsoft.com/office/drawing/2014/main" id="{DDC7001F-B183-464E-8A0B-84264FD20421}"/>
               </a:ext>
             </a:extLst>
           </p:cNvPr>
@@ -377,7 +377,7 @@
           <p:cNvPr id="3" name="竖排文字占位符 2">
             <a:extLst>
               <a:ext uri="{FF2B5EF4-FFF2-40B4-BE49-F238E27FC236}">
-                <a16:creationId xmlns:a16="http://schemas.microsoft.com/office/drawing/2014/main" id="{31990C78-073F-D2C1-7D56-5FE07426FA89}"/>
+                <a16:creationId xmlns:a16="http://schemas.microsoft.com/office/drawing/2014/main" id="{36DEB8D3-EF6B-9CBB-AED4-8A519CB52357}"/>
               </a:ext>
             </a:extLst>
           </p:cNvPr>
@@ -434,7 +434,7 @@
           <p:cNvPr id="4" name="日期占位符 3">
             <a:extLst>
               <a:ext uri="{FF2B5EF4-FFF2-40B4-BE49-F238E27FC236}">
-                <a16:creationId xmlns:a16="http://schemas.microsoft.com/office/drawing/2014/main" id="{51A43C88-09FC-99B2-1987-E9CAD6BFAD3C}"/>
+                <a16:creationId xmlns:a16="http://schemas.microsoft.com/office/drawing/2014/main" id="{48D7F0C9-8E42-DBBE-837E-B495AE0EBD07}"/>
               </a:ext>
             </a:extLst>
           </p:cNvPr>
@@ -450,7 +450,7 @@
           <a:bodyPr/>
           <a:lstStyle/>
           <a:p>
-            <a:fld id="{D27B8463-E119-4B6E-B3B5-524D63FE85E5}" type="datetimeFigureOut">
+            <a:fld id="{F3030665-1282-4457-BE5D-5BD85799EEFA}" type="datetimeFigureOut">
               <a:rPr lang="zh-CN" altLang="en-US" smtClean="0"/>
               <a:t>2024/3/10</a:t>
             </a:fld>
@@ -463,7 +463,7 @@
           <p:cNvPr id="5" name="页脚占位符 4">
             <a:extLst>
               <a:ext uri="{FF2B5EF4-FFF2-40B4-BE49-F238E27FC236}">
-                <a16:creationId xmlns:a16="http://schemas.microsoft.com/office/drawing/2014/main" id="{70ED161B-F2C9-2FA3-2CAD-6FF7C7514205}"/>
+                <a16:creationId xmlns:a16="http://schemas.microsoft.com/office/drawing/2014/main" id="{0F519365-3053-4925-3C12-37605C71D3EA}"/>
               </a:ext>
             </a:extLst>
           </p:cNvPr>
@@ -488,7 +488,7 @@
           <p:cNvPr id="6" name="灯片编号占位符 5">
             <a:extLst>
               <a:ext uri="{FF2B5EF4-FFF2-40B4-BE49-F238E27FC236}">
-                <a16:creationId xmlns:a16="http://schemas.microsoft.com/office/drawing/2014/main" id="{8884622A-4F6F-1731-3911-B818117AAFB5}"/>
+                <a16:creationId xmlns:a16="http://schemas.microsoft.com/office/drawing/2014/main" id="{876606A7-285D-73D0-3F4F-A4F28F5A08A7}"/>
               </a:ext>
             </a:extLst>
           </p:cNvPr>
@@ -504,7 +504,7 @@
           <a:bodyPr/>
           <a:lstStyle/>
           <a:p>
-            <a:fld id="{9C9CDFCB-5F1E-4F9F-BF0C-47EA5BFD231C}" type="slidenum">
+            <a:fld id="{8E295A64-4F88-4AFB-B815-64809329472F}" type="slidenum">
               <a:rPr lang="zh-CN" altLang="en-US" smtClean="0"/>
               <a:t>‹#›</a:t>
             </a:fld>
@@ -515,7 +515,7 @@
     </p:spTree>
     <p:extLst>
       <p:ext uri="{BB962C8B-B14F-4D97-AF65-F5344CB8AC3E}">
-        <p14:creationId xmlns:p14="http://schemas.microsoft.com/office/powerpoint/2010/main" val="3380483855"/>
+        <p14:creationId xmlns:p14="http://schemas.microsoft.com/office/powerpoint/2010/main" val="1747689780"/>
       </p:ext>
     </p:extLst>
   </p:cSld>
@@ -547,7 +547,7 @@
           <p:cNvPr id="2" name="竖排标题 1">
             <a:extLst>
               <a:ext uri="{FF2B5EF4-FFF2-40B4-BE49-F238E27FC236}">
-                <a16:creationId xmlns:a16="http://schemas.microsoft.com/office/drawing/2014/main" id="{A0B94FA7-E0A5-1E36-FD82-A3945855F363}"/>
+                <a16:creationId xmlns:a16="http://schemas.microsoft.com/office/drawing/2014/main" id="{4E114CB9-7CEA-E64E-9911-8E9A28D4A601}"/>
               </a:ext>
             </a:extLst>
           </p:cNvPr>
@@ -580,7 +580,7 @@
           <p:cNvPr id="3" name="竖排文字占位符 2">
             <a:extLst>
               <a:ext uri="{FF2B5EF4-FFF2-40B4-BE49-F238E27FC236}">
-                <a16:creationId xmlns:a16="http://schemas.microsoft.com/office/drawing/2014/main" id="{CE7E7C74-3A69-9C30-9AA0-77F2E6F57321}"/>
+                <a16:creationId xmlns:a16="http://schemas.microsoft.com/office/drawing/2014/main" id="{4F062705-1255-25F3-95BF-07F73423D34B}"/>
               </a:ext>
             </a:extLst>
           </p:cNvPr>
@@ -642,7 +642,7 @@
           <p:cNvPr id="4" name="日期占位符 3">
             <a:extLst>
               <a:ext uri="{FF2B5EF4-FFF2-40B4-BE49-F238E27FC236}">
-                <a16:creationId xmlns:a16="http://schemas.microsoft.com/office/drawing/2014/main" id="{D660315D-09A4-7605-78F4-4064A6762205}"/>
+                <a16:creationId xmlns:a16="http://schemas.microsoft.com/office/drawing/2014/main" id="{97961DD9-D067-C1B9-0DD6-DD9226DA08CB}"/>
               </a:ext>
             </a:extLst>
           </p:cNvPr>
@@ -658,7 +658,7 @@
           <a:bodyPr/>
           <a:lstStyle/>
           <a:p>
-            <a:fld id="{D27B8463-E119-4B6E-B3B5-524D63FE85E5}" type="datetimeFigureOut">
+            <a:fld id="{F3030665-1282-4457-BE5D-5BD85799EEFA}" type="datetimeFigureOut">
               <a:rPr lang="zh-CN" altLang="en-US" smtClean="0"/>
               <a:t>2024/3/10</a:t>
             </a:fld>
@@ -671,7 +671,7 @@
           <p:cNvPr id="5" name="页脚占位符 4">
             <a:extLst>
               <a:ext uri="{FF2B5EF4-FFF2-40B4-BE49-F238E27FC236}">
-                <a16:creationId xmlns:a16="http://schemas.microsoft.com/office/drawing/2014/main" id="{C22C7BEE-4C48-16F9-07A4-EFF0E8D63776}"/>
+                <a16:creationId xmlns:a16="http://schemas.microsoft.com/office/drawing/2014/main" id="{27D4007F-EC33-6A51-A289-61DF1D7A5758}"/>
               </a:ext>
             </a:extLst>
           </p:cNvPr>
@@ -696,7 +696,7 @@
           <p:cNvPr id="6" name="灯片编号占位符 5">
             <a:extLst>
               <a:ext uri="{FF2B5EF4-FFF2-40B4-BE49-F238E27FC236}">
-                <a16:creationId xmlns:a16="http://schemas.microsoft.com/office/drawing/2014/main" id="{ED808D00-B74B-0686-D3FC-D9A934E14B65}"/>
+                <a16:creationId xmlns:a16="http://schemas.microsoft.com/office/drawing/2014/main" id="{4E3420B4-5317-F35C-B133-DA89376CA888}"/>
               </a:ext>
             </a:extLst>
           </p:cNvPr>
@@ -712,7 +712,7 @@
           <a:bodyPr/>
           <a:lstStyle/>
           <a:p>
-            <a:fld id="{9C9CDFCB-5F1E-4F9F-BF0C-47EA5BFD231C}" type="slidenum">
+            <a:fld id="{8E295A64-4F88-4AFB-B815-64809329472F}" type="slidenum">
               <a:rPr lang="zh-CN" altLang="en-US" smtClean="0"/>
               <a:t>‹#›</a:t>
             </a:fld>
@@ -723,7 +723,7 @@
     </p:spTree>
     <p:extLst>
       <p:ext uri="{BB962C8B-B14F-4D97-AF65-F5344CB8AC3E}">
-        <p14:creationId xmlns:p14="http://schemas.microsoft.com/office/powerpoint/2010/main" val="3344327771"/>
+        <p14:creationId xmlns:p14="http://schemas.microsoft.com/office/powerpoint/2010/main" val="3008007806"/>
       </p:ext>
     </p:extLst>
   </p:cSld>
@@ -755,7 +755,7 @@
           <p:cNvPr id="2" name="标题 1">
             <a:extLst>
               <a:ext uri="{FF2B5EF4-FFF2-40B4-BE49-F238E27FC236}">
-                <a16:creationId xmlns:a16="http://schemas.microsoft.com/office/drawing/2014/main" id="{C31D9689-44AF-564F-D8A6-EA673D2031BC}"/>
+                <a16:creationId xmlns:a16="http://schemas.microsoft.com/office/drawing/2014/main" id="{992AA3A6-11F9-05D4-5D46-C58CC783D6BB}"/>
               </a:ext>
             </a:extLst>
           </p:cNvPr>
@@ -783,7 +783,7 @@
           <p:cNvPr id="3" name="内容占位符 2">
             <a:extLst>
               <a:ext uri="{FF2B5EF4-FFF2-40B4-BE49-F238E27FC236}">
-                <a16:creationId xmlns:a16="http://schemas.microsoft.com/office/drawing/2014/main" id="{EA20A50D-6B57-BF9A-0F49-A3FCC5B37DC3}"/>
+                <a16:creationId xmlns:a16="http://schemas.microsoft.com/office/drawing/2014/main" id="{D1AB32AC-5965-D252-A481-F6A600A3D23F}"/>
               </a:ext>
             </a:extLst>
           </p:cNvPr>
@@ -840,7 +840,7 @@
           <p:cNvPr id="4" name="日期占位符 3">
             <a:extLst>
               <a:ext uri="{FF2B5EF4-FFF2-40B4-BE49-F238E27FC236}">
-                <a16:creationId xmlns:a16="http://schemas.microsoft.com/office/drawing/2014/main" id="{FC56DDFA-F455-7D67-7441-9EB86884FECC}"/>
+                <a16:creationId xmlns:a16="http://schemas.microsoft.com/office/drawing/2014/main" id="{BBC5EF93-DD5C-96EB-732F-40D2FDD65990}"/>
               </a:ext>
             </a:extLst>
           </p:cNvPr>
@@ -856,7 +856,7 @@
           <a:bodyPr/>
           <a:lstStyle/>
           <a:p>
-            <a:fld id="{D27B8463-E119-4B6E-B3B5-524D63FE85E5}" type="datetimeFigureOut">
+            <a:fld id="{F3030665-1282-4457-BE5D-5BD85799EEFA}" type="datetimeFigureOut">
               <a:rPr lang="zh-CN" altLang="en-US" smtClean="0"/>
               <a:t>2024/3/10</a:t>
             </a:fld>
@@ -869,7 +869,7 @@
           <p:cNvPr id="5" name="页脚占位符 4">
             <a:extLst>
               <a:ext uri="{FF2B5EF4-FFF2-40B4-BE49-F238E27FC236}">
-                <a16:creationId xmlns:a16="http://schemas.microsoft.com/office/drawing/2014/main" id="{3396E827-DB4F-BB04-E86B-8F9DE3C17DCD}"/>
+                <a16:creationId xmlns:a16="http://schemas.microsoft.com/office/drawing/2014/main" id="{240F5285-172B-73BD-225E-248DA9BE83FE}"/>
               </a:ext>
             </a:extLst>
           </p:cNvPr>
@@ -894,7 +894,7 @@
           <p:cNvPr id="6" name="灯片编号占位符 5">
             <a:extLst>
               <a:ext uri="{FF2B5EF4-FFF2-40B4-BE49-F238E27FC236}">
-                <a16:creationId xmlns:a16="http://schemas.microsoft.com/office/drawing/2014/main" id="{9A17ECFE-8C10-FDC7-995A-CD04796FA5E4}"/>
+                <a16:creationId xmlns:a16="http://schemas.microsoft.com/office/drawing/2014/main" id="{316FC60A-F8BC-EF01-1863-42B802A3E26C}"/>
               </a:ext>
             </a:extLst>
           </p:cNvPr>
@@ -910,7 +910,7 @@
           <a:bodyPr/>
           <a:lstStyle/>
           <a:p>
-            <a:fld id="{9C9CDFCB-5F1E-4F9F-BF0C-47EA5BFD231C}" type="slidenum">
+            <a:fld id="{8E295A64-4F88-4AFB-B815-64809329472F}" type="slidenum">
               <a:rPr lang="zh-CN" altLang="en-US" smtClean="0"/>
               <a:t>‹#›</a:t>
             </a:fld>
@@ -921,7 +921,7 @@
     </p:spTree>
     <p:extLst>
       <p:ext uri="{BB962C8B-B14F-4D97-AF65-F5344CB8AC3E}">
-        <p14:creationId xmlns:p14="http://schemas.microsoft.com/office/powerpoint/2010/main" val="2666344649"/>
+        <p14:creationId xmlns:p14="http://schemas.microsoft.com/office/powerpoint/2010/main" val="1725256847"/>
       </p:ext>
     </p:extLst>
   </p:cSld>
@@ -953,7 +953,7 @@
           <p:cNvPr id="2" name="标题 1">
             <a:extLst>
               <a:ext uri="{FF2B5EF4-FFF2-40B4-BE49-F238E27FC236}">
-                <a16:creationId xmlns:a16="http://schemas.microsoft.com/office/drawing/2014/main" id="{49CBA8FB-A3E7-A0D2-46C2-C372F146DE22}"/>
+                <a16:creationId xmlns:a16="http://schemas.microsoft.com/office/drawing/2014/main" id="{A01FC482-5FE9-A867-A0EC-B061F8CAABA5}"/>
               </a:ext>
             </a:extLst>
           </p:cNvPr>
@@ -990,7 +990,7 @@
           <p:cNvPr id="3" name="文本占位符 2">
             <a:extLst>
               <a:ext uri="{FF2B5EF4-FFF2-40B4-BE49-F238E27FC236}">
-                <a16:creationId xmlns:a16="http://schemas.microsoft.com/office/drawing/2014/main" id="{C19E8B1F-1A90-D548-87B7-B049B9DA3220}"/>
+                <a16:creationId xmlns:a16="http://schemas.microsoft.com/office/drawing/2014/main" id="{E48271C6-BBDA-A77F-3C63-8223E8A1A086}"/>
               </a:ext>
             </a:extLst>
           </p:cNvPr>
@@ -1115,7 +1115,7 @@
           <p:cNvPr id="4" name="日期占位符 3">
             <a:extLst>
               <a:ext uri="{FF2B5EF4-FFF2-40B4-BE49-F238E27FC236}">
-                <a16:creationId xmlns:a16="http://schemas.microsoft.com/office/drawing/2014/main" id="{EE722FC9-6DB0-7AAB-F5F5-09328100F6FD}"/>
+                <a16:creationId xmlns:a16="http://schemas.microsoft.com/office/drawing/2014/main" id="{C227C9A4-78B1-1340-8946-543F4873588C}"/>
               </a:ext>
             </a:extLst>
           </p:cNvPr>
@@ -1131,7 +1131,7 @@
           <a:bodyPr/>
           <a:lstStyle/>
           <a:p>
-            <a:fld id="{D27B8463-E119-4B6E-B3B5-524D63FE85E5}" type="datetimeFigureOut">
+            <a:fld id="{F3030665-1282-4457-BE5D-5BD85799EEFA}" type="datetimeFigureOut">
               <a:rPr lang="zh-CN" altLang="en-US" smtClean="0"/>
               <a:t>2024/3/10</a:t>
             </a:fld>
@@ -1144,7 +1144,7 @@
           <p:cNvPr id="5" name="页脚占位符 4">
             <a:extLst>
               <a:ext uri="{FF2B5EF4-FFF2-40B4-BE49-F238E27FC236}">
-                <a16:creationId xmlns:a16="http://schemas.microsoft.com/office/drawing/2014/main" id="{1F5B33B3-6E6A-FEF4-127F-A0C575CA930F}"/>
+                <a16:creationId xmlns:a16="http://schemas.microsoft.com/office/drawing/2014/main" id="{D74B1BCA-A97B-3AEA-94E5-218D17C74AE9}"/>
               </a:ext>
             </a:extLst>
           </p:cNvPr>
@@ -1169,7 +1169,7 @@
           <p:cNvPr id="6" name="灯片编号占位符 5">
             <a:extLst>
               <a:ext uri="{FF2B5EF4-FFF2-40B4-BE49-F238E27FC236}">
-                <a16:creationId xmlns:a16="http://schemas.microsoft.com/office/drawing/2014/main" id="{A73190D9-FC71-E34E-9662-EEC3353BEDC5}"/>
+                <a16:creationId xmlns:a16="http://schemas.microsoft.com/office/drawing/2014/main" id="{3EBBFEA9-F88E-777F-96B7-65385963B62D}"/>
               </a:ext>
             </a:extLst>
           </p:cNvPr>
@@ -1185,7 +1185,7 @@
           <a:bodyPr/>
           <a:lstStyle/>
           <a:p>
-            <a:fld id="{9C9CDFCB-5F1E-4F9F-BF0C-47EA5BFD231C}" type="slidenum">
+            <a:fld id="{8E295A64-4F88-4AFB-B815-64809329472F}" type="slidenum">
               <a:rPr lang="zh-CN" altLang="en-US" smtClean="0"/>
               <a:t>‹#›</a:t>
             </a:fld>
@@ -1196,7 +1196,7 @@
     </p:spTree>
     <p:extLst>
       <p:ext uri="{BB962C8B-B14F-4D97-AF65-F5344CB8AC3E}">
-        <p14:creationId xmlns:p14="http://schemas.microsoft.com/office/powerpoint/2010/main" val="1480452760"/>
+        <p14:creationId xmlns:p14="http://schemas.microsoft.com/office/powerpoint/2010/main" val="2502243693"/>
       </p:ext>
     </p:extLst>
   </p:cSld>
@@ -1228,7 +1228,7 @@
           <p:cNvPr id="2" name="标题 1">
             <a:extLst>
               <a:ext uri="{FF2B5EF4-FFF2-40B4-BE49-F238E27FC236}">
-                <a16:creationId xmlns:a16="http://schemas.microsoft.com/office/drawing/2014/main" id="{CD052334-6060-E5DC-6DD0-89B2313C2254}"/>
+                <a16:creationId xmlns:a16="http://schemas.microsoft.com/office/drawing/2014/main" id="{69ABEE4D-D74C-2AC4-9FDA-839FC012E8D4}"/>
               </a:ext>
             </a:extLst>
           </p:cNvPr>
@@ -1256,7 +1256,7 @@
           <p:cNvPr id="3" name="内容占位符 2">
             <a:extLst>
               <a:ext uri="{FF2B5EF4-FFF2-40B4-BE49-F238E27FC236}">
-                <a16:creationId xmlns:a16="http://schemas.microsoft.com/office/drawing/2014/main" id="{AB4EB765-F933-3EF2-E358-3656975C0700}"/>
+                <a16:creationId xmlns:a16="http://schemas.microsoft.com/office/drawing/2014/main" id="{60B7C804-293C-85F3-7C48-E69E44B0C5C6}"/>
               </a:ext>
             </a:extLst>
           </p:cNvPr>
@@ -1318,7 +1318,7 @@
           <p:cNvPr id="4" name="内容占位符 3">
             <a:extLst>
               <a:ext uri="{FF2B5EF4-FFF2-40B4-BE49-F238E27FC236}">
-                <a16:creationId xmlns:a16="http://schemas.microsoft.com/office/drawing/2014/main" id="{245431DE-B612-E002-4757-F83AD8BAD0BF}"/>
+                <a16:creationId xmlns:a16="http://schemas.microsoft.com/office/drawing/2014/main" id="{6DAE1A85-A3D0-CF0C-1E47-694A01988454}"/>
               </a:ext>
             </a:extLst>
           </p:cNvPr>
@@ -1380,7 +1380,7 @@
           <p:cNvPr id="5" name="日期占位符 4">
             <a:extLst>
               <a:ext uri="{FF2B5EF4-FFF2-40B4-BE49-F238E27FC236}">
-                <a16:creationId xmlns:a16="http://schemas.microsoft.com/office/drawing/2014/main" id="{992E998D-EB43-94F4-865E-D420AFE2073F}"/>
+                <a16:creationId xmlns:a16="http://schemas.microsoft.com/office/drawing/2014/main" id="{9205377B-6C2B-17CD-86D7-68EC221779BF}"/>
               </a:ext>
             </a:extLst>
           </p:cNvPr>
@@ -1396,7 +1396,7 @@
           <a:bodyPr/>
           <a:lstStyle/>
           <a:p>
-            <a:fld id="{D27B8463-E119-4B6E-B3B5-524D63FE85E5}" type="datetimeFigureOut">
+            <a:fld id="{F3030665-1282-4457-BE5D-5BD85799EEFA}" type="datetimeFigureOut">
               <a:rPr lang="zh-CN" altLang="en-US" smtClean="0"/>
               <a:t>2024/3/10</a:t>
             </a:fld>
@@ -1409,7 +1409,7 @@
           <p:cNvPr id="6" name="页脚占位符 5">
             <a:extLst>
               <a:ext uri="{FF2B5EF4-FFF2-40B4-BE49-F238E27FC236}">
-                <a16:creationId xmlns:a16="http://schemas.microsoft.com/office/drawing/2014/main" id="{67982471-AE40-AC3A-DF01-C6F27763DF24}"/>
+                <a16:creationId xmlns:a16="http://schemas.microsoft.com/office/drawing/2014/main" id="{7A0D6AB5-09FD-E734-B63D-212D21DC7069}"/>
               </a:ext>
             </a:extLst>
           </p:cNvPr>
@@ -1434,7 +1434,7 @@
           <p:cNvPr id="7" name="灯片编号占位符 6">
             <a:extLst>
               <a:ext uri="{FF2B5EF4-FFF2-40B4-BE49-F238E27FC236}">
-                <a16:creationId xmlns:a16="http://schemas.microsoft.com/office/drawing/2014/main" id="{181C5A97-68F7-BFE6-C827-FFD389471964}"/>
+                <a16:creationId xmlns:a16="http://schemas.microsoft.com/office/drawing/2014/main" id="{D418F51E-6056-DAEC-FC6D-E6A73F88136A}"/>
               </a:ext>
             </a:extLst>
           </p:cNvPr>
@@ -1450,7 +1450,7 @@
           <a:bodyPr/>
           <a:lstStyle/>
           <a:p>
-            <a:fld id="{9C9CDFCB-5F1E-4F9F-BF0C-47EA5BFD231C}" type="slidenum">
+            <a:fld id="{8E295A64-4F88-4AFB-B815-64809329472F}" type="slidenum">
               <a:rPr lang="zh-CN" altLang="en-US" smtClean="0"/>
               <a:t>‹#›</a:t>
             </a:fld>
@@ -1461,7 +1461,7 @@
     </p:spTree>
     <p:extLst>
       <p:ext uri="{BB962C8B-B14F-4D97-AF65-F5344CB8AC3E}">
-        <p14:creationId xmlns:p14="http://schemas.microsoft.com/office/powerpoint/2010/main" val="3938546994"/>
+        <p14:creationId xmlns:p14="http://schemas.microsoft.com/office/powerpoint/2010/main" val="1967162471"/>
       </p:ext>
     </p:extLst>
   </p:cSld>
@@ -1493,7 +1493,7 @@
           <p:cNvPr id="2" name="标题 1">
             <a:extLst>
               <a:ext uri="{FF2B5EF4-FFF2-40B4-BE49-F238E27FC236}">
-                <a16:creationId xmlns:a16="http://schemas.microsoft.com/office/drawing/2014/main" id="{70B41373-C508-C995-AA3F-B6669F55B67F}"/>
+                <a16:creationId xmlns:a16="http://schemas.microsoft.com/office/drawing/2014/main" id="{89B96BA5-5809-ACF5-29BA-F53E0D449064}"/>
               </a:ext>
             </a:extLst>
           </p:cNvPr>
@@ -1526,7 +1526,7 @@
           <p:cNvPr id="3" name="文本占位符 2">
             <a:extLst>
               <a:ext uri="{FF2B5EF4-FFF2-40B4-BE49-F238E27FC236}">
-                <a16:creationId xmlns:a16="http://schemas.microsoft.com/office/drawing/2014/main" id="{D51B050D-A4B3-73C2-5410-0A21934DD76A}"/>
+                <a16:creationId xmlns:a16="http://schemas.microsoft.com/office/drawing/2014/main" id="{10A3F296-8358-C299-B9E0-37B581A267E7}"/>
               </a:ext>
             </a:extLst>
           </p:cNvPr>
@@ -1597,7 +1597,7 @@
           <p:cNvPr id="4" name="内容占位符 3">
             <a:extLst>
               <a:ext uri="{FF2B5EF4-FFF2-40B4-BE49-F238E27FC236}">
-                <a16:creationId xmlns:a16="http://schemas.microsoft.com/office/drawing/2014/main" id="{938122E5-8BC5-A128-43B0-0FA8C239A9FD}"/>
+                <a16:creationId xmlns:a16="http://schemas.microsoft.com/office/drawing/2014/main" id="{82256FE8-1362-45E1-47E6-FAD416893B86}"/>
               </a:ext>
             </a:extLst>
           </p:cNvPr>
@@ -1659,7 +1659,7 @@
           <p:cNvPr id="5" name="文本占位符 4">
             <a:extLst>
               <a:ext uri="{FF2B5EF4-FFF2-40B4-BE49-F238E27FC236}">
-                <a16:creationId xmlns:a16="http://schemas.microsoft.com/office/drawing/2014/main" id="{722D0427-0A2C-7946-0164-9EC840644589}"/>
+                <a16:creationId xmlns:a16="http://schemas.microsoft.com/office/drawing/2014/main" id="{D782B48C-B7B7-8E37-51F6-1C8EA947E793}"/>
               </a:ext>
             </a:extLst>
           </p:cNvPr>
@@ -1730,7 +1730,7 @@
           <p:cNvPr id="6" name="内容占位符 5">
             <a:extLst>
               <a:ext uri="{FF2B5EF4-FFF2-40B4-BE49-F238E27FC236}">
-                <a16:creationId xmlns:a16="http://schemas.microsoft.com/office/drawing/2014/main" id="{1EC4E8BC-8397-B6F3-676E-93D768AC93BD}"/>
+                <a16:creationId xmlns:a16="http://schemas.microsoft.com/office/drawing/2014/main" id="{307BE865-402E-F941-6BA5-977A295D9882}"/>
               </a:ext>
             </a:extLst>
           </p:cNvPr>
@@ -1792,7 +1792,7 @@
           <p:cNvPr id="7" name="日期占位符 6">
             <a:extLst>
               <a:ext uri="{FF2B5EF4-FFF2-40B4-BE49-F238E27FC236}">
-                <a16:creationId xmlns:a16="http://schemas.microsoft.com/office/drawing/2014/main" id="{CEDD9DB1-BD1F-51C2-AF07-E6A344E3773D}"/>
+                <a16:creationId xmlns:a16="http://schemas.microsoft.com/office/drawing/2014/main" id="{5BFAB153-A5D1-742F-293C-499459EFACD4}"/>
               </a:ext>
             </a:extLst>
           </p:cNvPr>
@@ -1808,7 +1808,7 @@
           <a:bodyPr/>
           <a:lstStyle/>
           <a:p>
-            <a:fld id="{D27B8463-E119-4B6E-B3B5-524D63FE85E5}" type="datetimeFigureOut">
+            <a:fld id="{F3030665-1282-4457-BE5D-5BD85799EEFA}" type="datetimeFigureOut">
               <a:rPr lang="zh-CN" altLang="en-US" smtClean="0"/>
               <a:t>2024/3/10</a:t>
             </a:fld>
@@ -1821,7 +1821,7 @@
           <p:cNvPr id="8" name="页脚占位符 7">
             <a:extLst>
               <a:ext uri="{FF2B5EF4-FFF2-40B4-BE49-F238E27FC236}">
-                <a16:creationId xmlns:a16="http://schemas.microsoft.com/office/drawing/2014/main" id="{7C1D5FEE-5C60-0090-3AED-FBD16C98F0BA}"/>
+                <a16:creationId xmlns:a16="http://schemas.microsoft.com/office/drawing/2014/main" id="{86CA564C-620F-E98D-DD32-4B7D9AC9EDAF}"/>
               </a:ext>
             </a:extLst>
           </p:cNvPr>
@@ -1846,7 +1846,7 @@
           <p:cNvPr id="9" name="灯片编号占位符 8">
             <a:extLst>
               <a:ext uri="{FF2B5EF4-FFF2-40B4-BE49-F238E27FC236}">
-                <a16:creationId xmlns:a16="http://schemas.microsoft.com/office/drawing/2014/main" id="{4B7925F2-6019-75F1-1929-3E4E2DD78187}"/>
+                <a16:creationId xmlns:a16="http://schemas.microsoft.com/office/drawing/2014/main" id="{4EB8E3A6-C254-620C-9AA1-97AEF6E6C1B7}"/>
               </a:ext>
             </a:extLst>
           </p:cNvPr>
@@ -1862,7 +1862,7 @@
           <a:bodyPr/>
           <a:lstStyle/>
           <a:p>
-            <a:fld id="{9C9CDFCB-5F1E-4F9F-BF0C-47EA5BFD231C}" type="slidenum">
+            <a:fld id="{8E295A64-4F88-4AFB-B815-64809329472F}" type="slidenum">
               <a:rPr lang="zh-CN" altLang="en-US" smtClean="0"/>
               <a:t>‹#›</a:t>
             </a:fld>
@@ -1873,7 +1873,7 @@
     </p:spTree>
     <p:extLst>
       <p:ext uri="{BB962C8B-B14F-4D97-AF65-F5344CB8AC3E}">
-        <p14:creationId xmlns:p14="http://schemas.microsoft.com/office/powerpoint/2010/main" val="1511399851"/>
+        <p14:creationId xmlns:p14="http://schemas.microsoft.com/office/powerpoint/2010/main" val="2691321930"/>
       </p:ext>
     </p:extLst>
   </p:cSld>
@@ -1905,7 +1905,7 @@
           <p:cNvPr id="2" name="标题 1">
             <a:extLst>
               <a:ext uri="{FF2B5EF4-FFF2-40B4-BE49-F238E27FC236}">
-                <a16:creationId xmlns:a16="http://schemas.microsoft.com/office/drawing/2014/main" id="{13F30BBB-F694-6726-F6C6-899FF74A3293}"/>
+                <a16:creationId xmlns:a16="http://schemas.microsoft.com/office/drawing/2014/main" id="{7D7EE08B-D8C1-15E6-6B4D-113ED3DD6826}"/>
               </a:ext>
             </a:extLst>
           </p:cNvPr>
@@ -1933,7 +1933,7 @@
           <p:cNvPr id="3" name="日期占位符 2">
             <a:extLst>
               <a:ext uri="{FF2B5EF4-FFF2-40B4-BE49-F238E27FC236}">
-                <a16:creationId xmlns:a16="http://schemas.microsoft.com/office/drawing/2014/main" id="{EE9A10DA-A5C4-7D23-2A0E-5A9B77A0EDF5}"/>
+                <a16:creationId xmlns:a16="http://schemas.microsoft.com/office/drawing/2014/main" id="{D5F04744-1513-BB08-D53F-FAAE8FD3ECA1}"/>
               </a:ext>
             </a:extLst>
           </p:cNvPr>
@@ -1949,7 +1949,7 @@
           <a:bodyPr/>
           <a:lstStyle/>
           <a:p>
-            <a:fld id="{D27B8463-E119-4B6E-B3B5-524D63FE85E5}" type="datetimeFigureOut">
+            <a:fld id="{F3030665-1282-4457-BE5D-5BD85799EEFA}" type="datetimeFigureOut">
               <a:rPr lang="zh-CN" altLang="en-US" smtClean="0"/>
               <a:t>2024/3/10</a:t>
             </a:fld>
@@ -1962,7 +1962,7 @@
           <p:cNvPr id="4" name="页脚占位符 3">
             <a:extLst>
               <a:ext uri="{FF2B5EF4-FFF2-40B4-BE49-F238E27FC236}">
-                <a16:creationId xmlns:a16="http://schemas.microsoft.com/office/drawing/2014/main" id="{5A25F113-54E3-1955-1B9C-21703EE0DEA2}"/>
+                <a16:creationId xmlns:a16="http://schemas.microsoft.com/office/drawing/2014/main" id="{4CEF9C1F-57B0-24CB-5BC7-32071922AEEB}"/>
               </a:ext>
             </a:extLst>
           </p:cNvPr>
@@ -1987,7 +1987,7 @@
           <p:cNvPr id="5" name="灯片编号占位符 4">
             <a:extLst>
               <a:ext uri="{FF2B5EF4-FFF2-40B4-BE49-F238E27FC236}">
-                <a16:creationId xmlns:a16="http://schemas.microsoft.com/office/drawing/2014/main" id="{6323E548-F573-19BD-DBF0-09EB1C81AF0D}"/>
+                <a16:creationId xmlns:a16="http://schemas.microsoft.com/office/drawing/2014/main" id="{06E077E7-232A-2A17-8534-FDCCAEB534D7}"/>
               </a:ext>
             </a:extLst>
           </p:cNvPr>
@@ -2003,7 +2003,7 @@
           <a:bodyPr/>
           <a:lstStyle/>
           <a:p>
-            <a:fld id="{9C9CDFCB-5F1E-4F9F-BF0C-47EA5BFD231C}" type="slidenum">
+            <a:fld id="{8E295A64-4F88-4AFB-B815-64809329472F}" type="slidenum">
               <a:rPr lang="zh-CN" altLang="en-US" smtClean="0"/>
               <a:t>‹#›</a:t>
             </a:fld>
@@ -2014,7 +2014,7 @@
     </p:spTree>
     <p:extLst>
       <p:ext uri="{BB962C8B-B14F-4D97-AF65-F5344CB8AC3E}">
-        <p14:creationId xmlns:p14="http://schemas.microsoft.com/office/powerpoint/2010/main" val="2710707888"/>
+        <p14:creationId xmlns:p14="http://schemas.microsoft.com/office/powerpoint/2010/main" val="3886538878"/>
       </p:ext>
     </p:extLst>
   </p:cSld>
@@ -2046,7 +2046,7 @@
           <p:cNvPr id="2" name="日期占位符 1">
             <a:extLst>
               <a:ext uri="{FF2B5EF4-FFF2-40B4-BE49-F238E27FC236}">
-                <a16:creationId xmlns:a16="http://schemas.microsoft.com/office/drawing/2014/main" id="{D56E0E7D-04CC-FE3E-EDA5-605213E387B0}"/>
+                <a16:creationId xmlns:a16="http://schemas.microsoft.com/office/drawing/2014/main" id="{6E83FBA2-48B4-CA27-AC60-23079C12B273}"/>
               </a:ext>
             </a:extLst>
           </p:cNvPr>
@@ -2062,7 +2062,7 @@
           <a:bodyPr/>
           <a:lstStyle/>
           <a:p>
-            <a:fld id="{D27B8463-E119-4B6E-B3B5-524D63FE85E5}" type="datetimeFigureOut">
+            <a:fld id="{F3030665-1282-4457-BE5D-5BD85799EEFA}" type="datetimeFigureOut">
               <a:rPr lang="zh-CN" altLang="en-US" smtClean="0"/>
               <a:t>2024/3/10</a:t>
             </a:fld>
@@ -2075,7 +2075,7 @@
           <p:cNvPr id="3" name="页脚占位符 2">
             <a:extLst>
               <a:ext uri="{FF2B5EF4-FFF2-40B4-BE49-F238E27FC236}">
-                <a16:creationId xmlns:a16="http://schemas.microsoft.com/office/drawing/2014/main" id="{FB05FB68-6D34-BD00-086D-F94C6F42A5C8}"/>
+                <a16:creationId xmlns:a16="http://schemas.microsoft.com/office/drawing/2014/main" id="{7E7CE7ED-E993-8BA1-64B7-560FF42B96FA}"/>
               </a:ext>
             </a:extLst>
           </p:cNvPr>
@@ -2100,7 +2100,7 @@
           <p:cNvPr id="4" name="灯片编号占位符 3">
             <a:extLst>
               <a:ext uri="{FF2B5EF4-FFF2-40B4-BE49-F238E27FC236}">
-                <a16:creationId xmlns:a16="http://schemas.microsoft.com/office/drawing/2014/main" id="{EAEB294C-A202-54F9-B4A3-8EEF4E635F0C}"/>
+                <a16:creationId xmlns:a16="http://schemas.microsoft.com/office/drawing/2014/main" id="{322AD904-0DFA-042C-80DF-5FD58F1D7B8B}"/>
               </a:ext>
             </a:extLst>
           </p:cNvPr>
@@ -2116,7 +2116,7 @@
           <a:bodyPr/>
           <a:lstStyle/>
           <a:p>
-            <a:fld id="{9C9CDFCB-5F1E-4F9F-BF0C-47EA5BFD231C}" type="slidenum">
+            <a:fld id="{8E295A64-4F88-4AFB-B815-64809329472F}" type="slidenum">
               <a:rPr lang="zh-CN" altLang="en-US" smtClean="0"/>
               <a:t>‹#›</a:t>
             </a:fld>
@@ -2127,7 +2127,7 @@
     </p:spTree>
     <p:extLst>
       <p:ext uri="{BB962C8B-B14F-4D97-AF65-F5344CB8AC3E}">
-        <p14:creationId xmlns:p14="http://schemas.microsoft.com/office/powerpoint/2010/main" val="3474709242"/>
+        <p14:creationId xmlns:p14="http://schemas.microsoft.com/office/powerpoint/2010/main" val="3904628138"/>
       </p:ext>
     </p:extLst>
   </p:cSld>
@@ -2159,7 +2159,7 @@
           <p:cNvPr id="2" name="标题 1">
             <a:extLst>
               <a:ext uri="{FF2B5EF4-FFF2-40B4-BE49-F238E27FC236}">
-                <a16:creationId xmlns:a16="http://schemas.microsoft.com/office/drawing/2014/main" id="{05F6C71C-FB3A-D8F1-124D-C24214E9E324}"/>
+                <a16:creationId xmlns:a16="http://schemas.microsoft.com/office/drawing/2014/main" id="{13686D96-FD8C-D041-B042-B381D3EE42A2}"/>
               </a:ext>
             </a:extLst>
           </p:cNvPr>
@@ -2196,7 +2196,7 @@
           <p:cNvPr id="3" name="内容占位符 2">
             <a:extLst>
               <a:ext uri="{FF2B5EF4-FFF2-40B4-BE49-F238E27FC236}">
-                <a16:creationId xmlns:a16="http://schemas.microsoft.com/office/drawing/2014/main" id="{89B46D1B-9BAD-4877-8229-84F1C8080E3A}"/>
+                <a16:creationId xmlns:a16="http://schemas.microsoft.com/office/drawing/2014/main" id="{666ABBAE-A00B-96DF-EECD-7040A2664C23}"/>
               </a:ext>
             </a:extLst>
           </p:cNvPr>
@@ -2286,7 +2286,7 @@
           <p:cNvPr id="4" name="文本占位符 3">
             <a:extLst>
               <a:ext uri="{FF2B5EF4-FFF2-40B4-BE49-F238E27FC236}">
-                <a16:creationId xmlns:a16="http://schemas.microsoft.com/office/drawing/2014/main" id="{1907E804-7F81-4E7E-F4B5-9B68D9E08147}"/>
+                <a16:creationId xmlns:a16="http://schemas.microsoft.com/office/drawing/2014/main" id="{74E1B2AD-C146-93ED-0985-FB28547B6FB7}"/>
               </a:ext>
             </a:extLst>
           </p:cNvPr>
@@ -2357,7 +2357,7 @@
           <p:cNvPr id="5" name="日期占位符 4">
             <a:extLst>
               <a:ext uri="{FF2B5EF4-FFF2-40B4-BE49-F238E27FC236}">
-                <a16:creationId xmlns:a16="http://schemas.microsoft.com/office/drawing/2014/main" id="{D913361B-1E43-68CB-9D0D-3051915C802A}"/>
+                <a16:creationId xmlns:a16="http://schemas.microsoft.com/office/drawing/2014/main" id="{A0D95BEA-DF8C-2425-4093-23E3FE4526FA}"/>
               </a:ext>
             </a:extLst>
           </p:cNvPr>
@@ -2373,7 +2373,7 @@
           <a:bodyPr/>
           <a:lstStyle/>
           <a:p>
-            <a:fld id="{D27B8463-E119-4B6E-B3B5-524D63FE85E5}" type="datetimeFigureOut">
+            <a:fld id="{F3030665-1282-4457-BE5D-5BD85799EEFA}" type="datetimeFigureOut">
               <a:rPr lang="zh-CN" altLang="en-US" smtClean="0"/>
               <a:t>2024/3/10</a:t>
             </a:fld>
@@ -2386,7 +2386,7 @@
           <p:cNvPr id="6" name="页脚占位符 5">
             <a:extLst>
               <a:ext uri="{FF2B5EF4-FFF2-40B4-BE49-F238E27FC236}">
-                <a16:creationId xmlns:a16="http://schemas.microsoft.com/office/drawing/2014/main" id="{7244AD7E-6FE6-FF0C-F2EE-2787D198C95A}"/>
+                <a16:creationId xmlns:a16="http://schemas.microsoft.com/office/drawing/2014/main" id="{475B66E5-30D7-B5E4-920B-C9738A9A8D78}"/>
               </a:ext>
             </a:extLst>
           </p:cNvPr>
@@ -2411,7 +2411,7 @@
           <p:cNvPr id="7" name="灯片编号占位符 6">
             <a:extLst>
               <a:ext uri="{FF2B5EF4-FFF2-40B4-BE49-F238E27FC236}">
-                <a16:creationId xmlns:a16="http://schemas.microsoft.com/office/drawing/2014/main" id="{B996B5C9-DC35-1FD9-BC24-C97E1DF83F3A}"/>
+                <a16:creationId xmlns:a16="http://schemas.microsoft.com/office/drawing/2014/main" id="{2BF6043F-369F-A583-9DFC-9B9F933F036B}"/>
               </a:ext>
             </a:extLst>
           </p:cNvPr>
@@ -2427,7 +2427,7 @@
           <a:bodyPr/>
           <a:lstStyle/>
           <a:p>
-            <a:fld id="{9C9CDFCB-5F1E-4F9F-BF0C-47EA5BFD231C}" type="slidenum">
+            <a:fld id="{8E295A64-4F88-4AFB-B815-64809329472F}" type="slidenum">
               <a:rPr lang="zh-CN" altLang="en-US" smtClean="0"/>
               <a:t>‹#›</a:t>
             </a:fld>
@@ -2438,7 +2438,7 @@
     </p:spTree>
     <p:extLst>
       <p:ext uri="{BB962C8B-B14F-4D97-AF65-F5344CB8AC3E}">
-        <p14:creationId xmlns:p14="http://schemas.microsoft.com/office/powerpoint/2010/main" val="2060592421"/>
+        <p14:creationId xmlns:p14="http://schemas.microsoft.com/office/powerpoint/2010/main" val="617727641"/>
       </p:ext>
     </p:extLst>
   </p:cSld>
@@ -2470,7 +2470,7 @@
           <p:cNvPr id="2" name="标题 1">
             <a:extLst>
               <a:ext uri="{FF2B5EF4-FFF2-40B4-BE49-F238E27FC236}">
-                <a16:creationId xmlns:a16="http://schemas.microsoft.com/office/drawing/2014/main" id="{9EEE38B9-0DFB-1247-DB1B-3F3934D02B6C}"/>
+                <a16:creationId xmlns:a16="http://schemas.microsoft.com/office/drawing/2014/main" id="{4AADF7AD-D793-4595-BDD2-04DB63AE5DF8}"/>
               </a:ext>
             </a:extLst>
           </p:cNvPr>
@@ -2507,7 +2507,7 @@
           <p:cNvPr id="3" name="图片占位符 2">
             <a:extLst>
               <a:ext uri="{FF2B5EF4-FFF2-40B4-BE49-F238E27FC236}">
-                <a16:creationId xmlns:a16="http://schemas.microsoft.com/office/drawing/2014/main" id="{8C0D5763-507F-BFB2-2BA9-095E1D1059F7}"/>
+                <a16:creationId xmlns:a16="http://schemas.microsoft.com/office/drawing/2014/main" id="{07793F9B-51E5-C581-3F9D-FFA879B80137}"/>
               </a:ext>
             </a:extLst>
           </p:cNvPr>
@@ -2574,7 +2574,7 @@
           <p:cNvPr id="4" name="文本占位符 3">
             <a:extLst>
               <a:ext uri="{FF2B5EF4-FFF2-40B4-BE49-F238E27FC236}">
-                <a16:creationId xmlns:a16="http://schemas.microsoft.com/office/drawing/2014/main" id="{3F472A3D-17E7-0780-AF4D-DF7CDADEF829}"/>
+                <a16:creationId xmlns:a16="http://schemas.microsoft.com/office/drawing/2014/main" id="{CB8F7D60-CA03-6B61-CCE2-1853BBAE0C62}"/>
               </a:ext>
             </a:extLst>
           </p:cNvPr>
@@ -2645,7 +2645,7 @@
           <p:cNvPr id="5" name="日期占位符 4">
             <a:extLst>
               <a:ext uri="{FF2B5EF4-FFF2-40B4-BE49-F238E27FC236}">
-                <a16:creationId xmlns:a16="http://schemas.microsoft.com/office/drawing/2014/main" id="{B9ACF3D9-D942-254B-5610-EAA158039BF8}"/>
+                <a16:creationId xmlns:a16="http://schemas.microsoft.com/office/drawing/2014/main" id="{639158A8-6129-9737-562E-96B66ADC63CF}"/>
               </a:ext>
             </a:extLst>
           </p:cNvPr>
@@ -2661,7 +2661,7 @@
           <a:bodyPr/>
           <a:lstStyle/>
           <a:p>
-            <a:fld id="{D27B8463-E119-4B6E-B3B5-524D63FE85E5}" type="datetimeFigureOut">
+            <a:fld id="{F3030665-1282-4457-BE5D-5BD85799EEFA}" type="datetimeFigureOut">
               <a:rPr lang="zh-CN" altLang="en-US" smtClean="0"/>
               <a:t>2024/3/10</a:t>
             </a:fld>
@@ -2674,7 +2674,7 @@
           <p:cNvPr id="6" name="页脚占位符 5">
             <a:extLst>
               <a:ext uri="{FF2B5EF4-FFF2-40B4-BE49-F238E27FC236}">
-                <a16:creationId xmlns:a16="http://schemas.microsoft.com/office/drawing/2014/main" id="{032A1465-4DB4-B95F-A3DA-7C84140DC850}"/>
+                <a16:creationId xmlns:a16="http://schemas.microsoft.com/office/drawing/2014/main" id="{4346DA40-D82D-82EA-0F36-0D141194E4A5}"/>
               </a:ext>
             </a:extLst>
           </p:cNvPr>
@@ -2699,7 +2699,7 @@
           <p:cNvPr id="7" name="灯片编号占位符 6">
             <a:extLst>
               <a:ext uri="{FF2B5EF4-FFF2-40B4-BE49-F238E27FC236}">
-                <a16:creationId xmlns:a16="http://schemas.microsoft.com/office/drawing/2014/main" id="{4DB00638-F38C-AD8A-C732-0EAE5F245D75}"/>
+                <a16:creationId xmlns:a16="http://schemas.microsoft.com/office/drawing/2014/main" id="{CE7B4D15-88B7-5A89-D847-9E9B0022D59D}"/>
               </a:ext>
             </a:extLst>
           </p:cNvPr>
@@ -2715,7 +2715,7 @@
           <a:bodyPr/>
           <a:lstStyle/>
           <a:p>
-            <a:fld id="{9C9CDFCB-5F1E-4F9F-BF0C-47EA5BFD231C}" type="slidenum">
+            <a:fld id="{8E295A64-4F88-4AFB-B815-64809329472F}" type="slidenum">
               <a:rPr lang="zh-CN" altLang="en-US" smtClean="0"/>
               <a:t>‹#›</a:t>
             </a:fld>
@@ -2726,7 +2726,7 @@
     </p:spTree>
     <p:extLst>
       <p:ext uri="{BB962C8B-B14F-4D97-AF65-F5344CB8AC3E}">
-        <p14:creationId xmlns:p14="http://schemas.microsoft.com/office/powerpoint/2010/main" val="2573034958"/>
+        <p14:creationId xmlns:p14="http://schemas.microsoft.com/office/powerpoint/2010/main" val="4068228645"/>
       </p:ext>
     </p:extLst>
   </p:cSld>
@@ -2763,7 +2763,7 @@
           <p:cNvPr id="2" name="标题占位符 1">
             <a:extLst>
               <a:ext uri="{FF2B5EF4-FFF2-40B4-BE49-F238E27FC236}">
-                <a16:creationId xmlns:a16="http://schemas.microsoft.com/office/drawing/2014/main" id="{E4928F74-D06B-0442-B13F-1B1A0EE91A16}"/>
+                <a16:creationId xmlns:a16="http://schemas.microsoft.com/office/drawing/2014/main" id="{F727F1DD-3015-F972-A63F-FCC89AD963DD}"/>
               </a:ext>
             </a:extLst>
           </p:cNvPr>
@@ -2801,7 +2801,7 @@
           <p:cNvPr id="3" name="文本占位符 2">
             <a:extLst>
               <a:ext uri="{FF2B5EF4-FFF2-40B4-BE49-F238E27FC236}">
-                <a16:creationId xmlns:a16="http://schemas.microsoft.com/office/drawing/2014/main" id="{89A1DBE9-A18B-ED1B-60DD-E8CB1DE4632B}"/>
+                <a16:creationId xmlns:a16="http://schemas.microsoft.com/office/drawing/2014/main" id="{B6B56D80-8FFF-1704-FDDD-B62C80552155}"/>
               </a:ext>
             </a:extLst>
           </p:cNvPr>
@@ -2868,7 +2868,7 @@
           <p:cNvPr id="4" name="日期占位符 3">
             <a:extLst>
               <a:ext uri="{FF2B5EF4-FFF2-40B4-BE49-F238E27FC236}">
-                <a16:creationId xmlns:a16="http://schemas.microsoft.com/office/drawing/2014/main" id="{DC5D3EA4-5F3A-D378-5D29-458C192E0CA4}"/>
+                <a16:creationId xmlns:a16="http://schemas.microsoft.com/office/drawing/2014/main" id="{EEAD86F1-6760-3DD4-16F0-210BF99B86D4}"/>
               </a:ext>
             </a:extLst>
           </p:cNvPr>
@@ -2902,7 +2902,7 @@
             </a:lvl1pPr>
           </a:lstStyle>
           <a:p>
-            <a:fld id="{D27B8463-E119-4B6E-B3B5-524D63FE85E5}" type="datetimeFigureOut">
+            <a:fld id="{F3030665-1282-4457-BE5D-5BD85799EEFA}" type="datetimeFigureOut">
               <a:rPr lang="zh-CN" altLang="en-US" smtClean="0"/>
               <a:t>2024/3/10</a:t>
             </a:fld>
@@ -2915,7 +2915,7 @@
           <p:cNvPr id="5" name="页脚占位符 4">
             <a:extLst>
               <a:ext uri="{FF2B5EF4-FFF2-40B4-BE49-F238E27FC236}">
-                <a16:creationId xmlns:a16="http://schemas.microsoft.com/office/drawing/2014/main" id="{2D09793C-62EE-3093-8840-ADD77937819B}"/>
+                <a16:creationId xmlns:a16="http://schemas.microsoft.com/office/drawing/2014/main" id="{82F59DF8-6BAA-CCA5-FD3C-EDCDF1DAA235}"/>
               </a:ext>
             </a:extLst>
           </p:cNvPr>
@@ -2958,7 +2958,7 @@
           <p:cNvPr id="6" name="灯片编号占位符 5">
             <a:extLst>
               <a:ext uri="{FF2B5EF4-FFF2-40B4-BE49-F238E27FC236}">
-                <a16:creationId xmlns:a16="http://schemas.microsoft.com/office/drawing/2014/main" id="{57CB0793-7728-9322-06C8-30AA18C0170B}"/>
+                <a16:creationId xmlns:a16="http://schemas.microsoft.com/office/drawing/2014/main" id="{ED83CF4F-CD7E-3BC7-D872-45CE5AC32364}"/>
               </a:ext>
             </a:extLst>
           </p:cNvPr>
@@ -2992,7 +2992,7 @@
             </a:lvl1pPr>
           </a:lstStyle>
           <a:p>
-            <a:fld id="{9C9CDFCB-5F1E-4F9F-BF0C-47EA5BFD231C}" type="slidenum">
+            <a:fld id="{8E295A64-4F88-4AFB-B815-64809329472F}" type="slidenum">
               <a:rPr lang="zh-CN" altLang="en-US" smtClean="0"/>
               <a:t>‹#›</a:t>
             </a:fld>
@@ -3003,7 +3003,7 @@
     </p:spTree>
     <p:extLst>
       <p:ext uri="{BB962C8B-B14F-4D97-AF65-F5344CB8AC3E}">
-        <p14:creationId xmlns:p14="http://schemas.microsoft.com/office/powerpoint/2010/main" val="2245784822"/>
+        <p14:creationId xmlns:p14="http://schemas.microsoft.com/office/powerpoint/2010/main" val="3792738374"/>
       </p:ext>
     </p:extLst>
   </p:cSld>
@@ -3323,7 +3323,7 @@
       </p:grpSpPr>
       <p:pic>
         <p:nvPicPr>
-          <p:cNvPr id="569346" name="Picture 2" descr="555"/>
+          <p:cNvPr id="570370" name="Picture 2" descr="556"/>
           <p:cNvPicPr>
             <a:picLocks noChangeAspect="1" noChangeArrowheads="1"/>
           </p:cNvPicPr>
@@ -3344,8 +3344,8 @@
         </p:blipFill>
         <p:spPr bwMode="auto">
           <a:xfrm>
-            <a:off x="1524000" y="1"/>
-            <a:ext cx="9144000" cy="4221163"/>
+            <a:off x="1524000" y="0"/>
+            <a:ext cx="9144000" cy="6858000"/>
           </a:xfrm>
           <a:prstGeom prst="rect">
             <a:avLst/>
